--- a/slides/intro-olha.pptx
+++ b/slides/intro-olha.pptx
@@ -3797,12 +3797,12 @@
           </a:p>
           <a:p>
             <a:r>
-              <a:rPr lang="en-GB" sz="2000" dirty="0" err="1" smtClean="0"/>
-              <a:t>IoT</a:t>
+              <a:rPr lang="en-GB" sz="2000" dirty="0"/>
+              <a:t>N</a:t>
             </a:r>
             <a:r>
               <a:rPr lang="en-GB" sz="2000" dirty="0" smtClean="0"/>
-              <a:t> network protocols, implementations, and interoperability</a:t>
+              <a:t>etwork protocols, implementations, and interoperability in constrained nodes networks</a:t>
             </a:r>
           </a:p>
           <a:p>
@@ -4126,33 +4126,36 @@
           <a:p>
             <a:r>
               <a:rPr lang="en-GB" sz="2000" i="1" dirty="0" smtClean="0"/>
-              <a:t>Enabling Energy Efficient Smart Object Networking at Internet Scale, </a:t>
-            </a:r>
-            <a:r>
-              <a:rPr lang="en-GB" sz="2000" dirty="0" smtClean="0"/>
+              <a:t>Enabling Energy Efficient Smart Object Networking at Internet Scale</a:t>
+            </a:r>
+            <a:br>
+              <a:rPr lang="en-GB" sz="2000" i="1" dirty="0" smtClean="0"/>
+            </a:br>
+            <a:r>
+              <a:rPr lang="en-GB" sz="1600" dirty="0" smtClean="0"/>
               <a:t>Oliver Hahm, PhD Thesis, </a:t>
             </a:r>
             <a:r>
-              <a:rPr lang="en-GB" sz="2000" dirty="0" err="1" smtClean="0"/>
+              <a:rPr lang="en-GB" sz="1600" dirty="0" err="1" smtClean="0"/>
               <a:t>Universit</a:t>
             </a:r>
             <a:r>
-              <a:rPr lang="en-GB" sz="2000" dirty="0" err="1" smtClean="0"/>
+              <a:rPr lang="en-GB" sz="1600" dirty="0" err="1" smtClean="0"/>
               <a:t>é</a:t>
             </a:r>
             <a:r>
-              <a:rPr lang="en-GB" sz="2000" dirty="0" smtClean="0"/>
+              <a:rPr lang="en-GB" sz="1600" dirty="0" smtClean="0"/>
               <a:t> </a:t>
             </a:r>
             <a:r>
-              <a:rPr lang="en-GB" sz="2000" dirty="0" err="1" smtClean="0"/>
+              <a:rPr lang="en-GB" sz="1600" dirty="0" err="1" smtClean="0"/>
               <a:t>Saclay</a:t>
             </a:r>
             <a:r>
-              <a:rPr lang="en-GB" sz="2000" dirty="0" smtClean="0"/>
+              <a:rPr lang="en-GB" sz="1600" dirty="0" smtClean="0"/>
               <a:t>-Paris</a:t>
             </a:r>
-            <a:endParaRPr lang="en-GB" sz="2000" i="1" dirty="0"/>
+            <a:endParaRPr lang="en-GB" sz="1600" i="1" dirty="0"/>
           </a:p>
         </p:txBody>
       </p:sp>
@@ -4332,7 +4335,15 @@
           <a:p>
             <a:r>
               <a:rPr lang="en-GB" sz="2000" dirty="0" smtClean="0"/>
-              <a:t>Lightweight ICN-Privacy</a:t>
+              <a:t>Naming schemes in </a:t>
+            </a:r>
+            <a:r>
+              <a:rPr lang="en-GB" sz="2000" dirty="0" err="1" smtClean="0"/>
+              <a:t>IoT</a:t>
+            </a:r>
+            <a:r>
+              <a:rPr lang="en-GB" sz="2000" dirty="0" smtClean="0"/>
+              <a:t>-ICN</a:t>
             </a:r>
           </a:p>
           <a:p>
